--- a/The Beginners Guide to ReactJS.pptx
+++ b/The Beginners Guide to ReactJS.pptx
@@ -35,6 +35,14 @@
     <p:sldId id="286" r:id="rId29"/>
     <p:sldId id="287" r:id="rId30"/>
     <p:sldId id="288" r:id="rId31"/>
+    <p:sldId id="289" r:id="rId32"/>
+    <p:sldId id="290" r:id="rId33"/>
+    <p:sldId id="291" r:id="rId34"/>
+    <p:sldId id="293" r:id="rId35"/>
+    <p:sldId id="294" r:id="rId36"/>
+    <p:sldId id="295" r:id="rId37"/>
+    <p:sldId id="296" r:id="rId38"/>
+    <p:sldId id="292" r:id="rId39"/>
   </p:sldIdLst>
   <p:sldSz cx="9144000" cy="6858000" type="screen4x3"/>
   <p:notesSz cx="6858000" cy="9144000"/>
@@ -331,7 +339,7 @@
             <a:fld id="{1D8BD707-D9CF-40AE-B4C6-C98DA3205C09}" type="datetimeFigureOut">
               <a:rPr lang="en-US" smtClean="0"/>
               <a:pPr/>
-              <a:t>28-Dec-17</a:t>
+              <a:t>11-Jan-18</a:t>
             </a:fld>
             <a:endParaRPr lang="en-US"/>
           </a:p>
@@ -686,7 +694,7 @@
             <a:fld id="{1D8BD707-D9CF-40AE-B4C6-C98DA3205C09}" type="datetimeFigureOut">
               <a:rPr lang="en-US" smtClean="0"/>
               <a:pPr/>
-              <a:t>28-Dec-17</a:t>
+              <a:t>11-Jan-18</a:t>
             </a:fld>
             <a:endParaRPr lang="en-US"/>
           </a:p>
@@ -863,7 +871,7 @@
             <a:fld id="{1D8BD707-D9CF-40AE-B4C6-C98DA3205C09}" type="datetimeFigureOut">
               <a:rPr lang="en-US" smtClean="0"/>
               <a:pPr/>
-              <a:t>28-Dec-17</a:t>
+              <a:t>11-Jan-18</a:t>
             </a:fld>
             <a:endParaRPr lang="en-US"/>
           </a:p>
@@ -978,7 +986,7 @@
             <a:fld id="{1D8BD707-D9CF-40AE-B4C6-C98DA3205C09}" type="datetimeFigureOut">
               <a:rPr lang="en-US" smtClean="0"/>
               <a:pPr/>
-              <a:t>28-Dec-17</a:t>
+              <a:t>11-Jan-18</a:t>
             </a:fld>
             <a:endParaRPr lang="en-US"/>
           </a:p>
@@ -1338,7 +1346,7 @@
             <a:fld id="{1D8BD707-D9CF-40AE-B4C6-C98DA3205C09}" type="datetimeFigureOut">
               <a:rPr lang="en-US" smtClean="0"/>
               <a:pPr/>
-              <a:t>28-Dec-17</a:t>
+              <a:t>11-Jan-18</a:t>
             </a:fld>
             <a:endParaRPr lang="en-US"/>
           </a:p>
@@ -1605,7 +1613,7 @@
             <a:fld id="{1D8BD707-D9CF-40AE-B4C6-C98DA3205C09}" type="datetimeFigureOut">
               <a:rPr lang="en-US" smtClean="0"/>
               <a:pPr/>
-              <a:t>28-Dec-17</a:t>
+              <a:t>11-Jan-18</a:t>
             </a:fld>
             <a:endParaRPr lang="en-US"/>
           </a:p>
@@ -1969,7 +1977,7 @@
             <a:fld id="{1D8BD707-D9CF-40AE-B4C6-C98DA3205C09}" type="datetimeFigureOut">
               <a:rPr lang="en-US" smtClean="0"/>
               <a:pPr/>
-              <a:t>28-Dec-17</a:t>
+              <a:t>11-Jan-18</a:t>
             </a:fld>
             <a:endParaRPr lang="en-US"/>
           </a:p>
@@ -2198,7 +2206,7 @@
             <a:fld id="{1D8BD707-D9CF-40AE-B4C6-C98DA3205C09}" type="datetimeFigureOut">
               <a:rPr lang="en-US" smtClean="0"/>
               <a:pPr/>
-              <a:t>28-Dec-17</a:t>
+              <a:t>11-Jan-18</a:t>
             </a:fld>
             <a:endParaRPr lang="en-US"/>
           </a:p>
@@ -2290,7 +2298,7 @@
             <a:fld id="{1D8BD707-D9CF-40AE-B4C6-C98DA3205C09}" type="datetimeFigureOut">
               <a:rPr lang="en-US" smtClean="0"/>
               <a:pPr/>
-              <a:t>28-Dec-17</a:t>
+              <a:t>11-Jan-18</a:t>
             </a:fld>
             <a:endParaRPr lang="en-US"/>
           </a:p>
@@ -2559,7 +2567,7 @@
             <a:fld id="{1D8BD707-D9CF-40AE-B4C6-C98DA3205C09}" type="datetimeFigureOut">
               <a:rPr lang="en-US" smtClean="0"/>
               <a:pPr/>
-              <a:t>28-Dec-17</a:t>
+              <a:t>11-Jan-18</a:t>
             </a:fld>
             <a:endParaRPr lang="en-US"/>
           </a:p>
@@ -2789,7 +2797,7 @@
             <a:fld id="{1D8BD707-D9CF-40AE-B4C6-C98DA3205C09}" type="datetimeFigureOut">
               <a:rPr lang="en-US" smtClean="0"/>
               <a:pPr/>
-              <a:t>28-Dec-17</a:t>
+              <a:t>11-Jan-18</a:t>
             </a:fld>
             <a:endParaRPr lang="en-US"/>
           </a:p>
@@ -3290,7 +3298,7 @@
             <a:fld id="{1D8BD707-D9CF-40AE-B4C6-C98DA3205C09}" type="datetimeFigureOut">
               <a:rPr lang="en-US" smtClean="0"/>
               <a:pPr/>
-              <a:t>28-Dec-17</a:t>
+              <a:t>11-Jan-18</a:t>
             </a:fld>
             <a:endParaRPr lang="en-US"/>
           </a:p>
@@ -7352,11 +7360,6 @@
               </a:rPr>
               <a:t>Use Component State with React</a:t>
             </a:r>
-            <a:endParaRPr lang="en-US" sz="2400" b="1" dirty="0">
-              <a:solidFill>
-                <a:schemeClr val="bg1"/>
-              </a:solidFill>
-            </a:endParaRPr>
           </a:p>
         </p:txBody>
       </p:sp>
@@ -7386,7 +7389,6 @@
               <a:rPr lang="en-US" dirty="0" smtClean="0"/>
               <a:t>Let’s create a function for stopwatch</a:t>
             </a:r>
-            <a:endParaRPr lang="en-US" dirty="0" smtClean="0"/>
           </a:p>
         </p:txBody>
       </p:sp>
@@ -7614,11 +7616,6 @@
               </a:rPr>
               <a:t>Use Component State with React</a:t>
             </a:r>
-            <a:endParaRPr lang="en-US" sz="2400" b="1" dirty="0">
-              <a:solidFill>
-                <a:schemeClr val="bg1"/>
-              </a:solidFill>
-            </a:endParaRPr>
           </a:p>
         </p:txBody>
       </p:sp>
@@ -7701,7 +7698,6 @@
               <a:rPr lang="en-US" dirty="0" smtClean="0"/>
               <a:t>text also dynamic</a:t>
             </a:r>
-            <a:endParaRPr lang="en-US" dirty="0" smtClean="0"/>
           </a:p>
         </p:txBody>
       </p:sp>
@@ -7875,11 +7871,6 @@
               </a:rPr>
               <a:t>Use Component State with React</a:t>
             </a:r>
-            <a:endParaRPr lang="en-US" sz="2400" b="1" dirty="0">
-              <a:solidFill>
-                <a:schemeClr val="bg1"/>
-              </a:solidFill>
-            </a:endParaRPr>
           </a:p>
         </p:txBody>
       </p:sp>
@@ -9388,6 +9379,2138 @@
     <p:extLst>
       <p:ext uri="{BB962C8B-B14F-4D97-AF65-F5344CB8AC3E}">
         <p14:creationId xmlns:p14="http://schemas.microsoft.com/office/powerpoint/2010/main" val="742566041"/>
+      </p:ext>
+    </p:extLst>
+  </p:cSld>
+  <p:clrMapOvr>
+    <a:masterClrMapping/>
+  </p:clrMapOvr>
+</p:sld>
+</file>
+
+<file path=ppt/slides/slide31.xml><?xml version="1.0" encoding="utf-8"?>
+<p:sld xmlns:a="http://schemas.openxmlformats.org/drawingml/2006/main" xmlns:r="http://schemas.openxmlformats.org/officeDocument/2006/relationships" xmlns:p="http://schemas.openxmlformats.org/presentationml/2006/main">
+  <p:cSld>
+    <p:spTree>
+      <p:nvGrpSpPr>
+        <p:cNvPr id="1" name=""/>
+        <p:cNvGrpSpPr/>
+        <p:nvPr/>
+      </p:nvGrpSpPr>
+      <p:grpSpPr>
+        <a:xfrm>
+          <a:off x="0" y="0"/>
+          <a:ext cx="0" cy="0"/>
+          <a:chOff x="0" y="0"/>
+          <a:chExt cx="0" cy="0"/>
+        </a:xfrm>
+      </p:grpSpPr>
+      <p:sp>
+        <p:nvSpPr>
+          <p:cNvPr id="2" name="TextBox 1"/>
+          <p:cNvSpPr txBox="1"/>
+          <p:nvPr/>
+        </p:nvSpPr>
+        <p:spPr>
+          <a:xfrm>
+            <a:off x="304800" y="381000"/>
+            <a:ext cx="8534400" cy="461665"/>
+          </a:xfrm>
+          <a:prstGeom prst="rect">
+            <a:avLst/>
+          </a:prstGeom>
+          <a:solidFill>
+            <a:srgbClr val="DF570B"/>
+          </a:solidFill>
+        </p:spPr>
+        <p:txBody>
+          <a:bodyPr wrap="square" rtlCol="0">
+            <a:spAutoFit/>
+          </a:bodyPr>
+          <a:lstStyle/>
+          <a:p>
+            <a:r>
+              <a:rPr lang="en-US" sz="2400" b="1" dirty="0" smtClean="0">
+                <a:solidFill>
+                  <a:schemeClr val="bg1"/>
+                </a:solidFill>
+              </a:rPr>
+              <a:t>Manipulate DOM with React refs</a:t>
+            </a:r>
+            <a:endParaRPr lang="en-US" sz="2400" b="1" dirty="0">
+              <a:solidFill>
+                <a:schemeClr val="bg1"/>
+              </a:solidFill>
+            </a:endParaRPr>
+          </a:p>
+        </p:txBody>
+      </p:sp>
+      <p:sp>
+        <p:nvSpPr>
+          <p:cNvPr id="5" name="TextBox 4"/>
+          <p:cNvSpPr txBox="1"/>
+          <p:nvPr/>
+        </p:nvSpPr>
+        <p:spPr>
+          <a:xfrm>
+            <a:off x="304800" y="990600"/>
+            <a:ext cx="6911700" cy="369332"/>
+          </a:xfrm>
+          <a:prstGeom prst="rect">
+            <a:avLst/>
+          </a:prstGeom>
+          <a:noFill/>
+        </p:spPr>
+        <p:txBody>
+          <a:bodyPr wrap="none" rtlCol="0">
+            <a:spAutoFit/>
+          </a:bodyPr>
+          <a:lstStyle/>
+          <a:p>
+            <a:r>
+              <a:rPr lang="en-US" dirty="0" smtClean="0"/>
+              <a:t>Ref will be having an </a:t>
+            </a:r>
+            <a:r>
+              <a:rPr lang="en-US" dirty="0" err="1" smtClean="0"/>
+              <a:t>arg</a:t>
+            </a:r>
+            <a:r>
+              <a:rPr lang="en-US" dirty="0" smtClean="0"/>
+              <a:t> as node and will access that through out the application.</a:t>
+            </a:r>
+          </a:p>
+        </p:txBody>
+      </p:sp>
+      <p:pic>
+        <p:nvPicPr>
+          <p:cNvPr id="1026" name="Picture 2"/>
+          <p:cNvPicPr>
+            <a:picLocks noChangeAspect="1" noChangeArrowheads="1"/>
+          </p:cNvPicPr>
+          <p:nvPr/>
+        </p:nvPicPr>
+        <p:blipFill>
+          <a:blip r:embed="rId2">
+            <a:extLst>
+              <a:ext uri="{28A0092B-C50C-407E-A947-70E740481C1C}">
+                <a14:useLocalDpi xmlns:a14="http://schemas.microsoft.com/office/drawing/2010/main" val="0"/>
+              </a:ext>
+            </a:extLst>
+          </a:blip>
+          <a:srcRect/>
+          <a:stretch>
+            <a:fillRect/>
+          </a:stretch>
+        </p:blipFill>
+        <p:spPr bwMode="auto">
+          <a:xfrm>
+            <a:off x="316345" y="1524000"/>
+            <a:ext cx="6581775" cy="2876550"/>
+          </a:xfrm>
+          <a:prstGeom prst="rect">
+            <a:avLst/>
+          </a:prstGeom>
+          <a:noFill/>
+          <a:ln>
+            <a:noFill/>
+          </a:ln>
+          <a:extLst>
+            <a:ext uri="{909E8E84-426E-40DD-AFC4-6F175D3DCCD1}">
+              <a14:hiddenFill xmlns:a14="http://schemas.microsoft.com/office/drawing/2010/main">
+                <a:solidFill>
+                  <a:schemeClr val="accent1"/>
+                </a:solidFill>
+              </a14:hiddenFill>
+            </a:ext>
+            <a:ext uri="{91240B29-F687-4F45-9708-019B960494DF}">
+              <a14:hiddenLine xmlns:a14="http://schemas.microsoft.com/office/drawing/2010/main" w="9525">
+                <a:solidFill>
+                  <a:schemeClr val="tx1"/>
+                </a:solidFill>
+                <a:miter lim="800000"/>
+                <a:headEnd/>
+                <a:tailEnd/>
+              </a14:hiddenLine>
+            </a:ext>
+          </a:extLst>
+        </p:spPr>
+      </p:pic>
+    </p:spTree>
+    <p:extLst>
+      <p:ext uri="{BB962C8B-B14F-4D97-AF65-F5344CB8AC3E}">
+        <p14:creationId xmlns:p14="http://schemas.microsoft.com/office/powerpoint/2010/main" val="100060863"/>
+      </p:ext>
+    </p:extLst>
+  </p:cSld>
+  <p:clrMapOvr>
+    <a:masterClrMapping/>
+  </p:clrMapOvr>
+</p:sld>
+</file>
+
+<file path=ppt/slides/slide32.xml><?xml version="1.0" encoding="utf-8"?>
+<p:sld xmlns:a="http://schemas.openxmlformats.org/drawingml/2006/main" xmlns:r="http://schemas.openxmlformats.org/officeDocument/2006/relationships" xmlns:p="http://schemas.openxmlformats.org/presentationml/2006/main">
+  <p:cSld>
+    <p:spTree>
+      <p:nvGrpSpPr>
+        <p:cNvPr id="1" name=""/>
+        <p:cNvGrpSpPr/>
+        <p:nvPr/>
+      </p:nvGrpSpPr>
+      <p:grpSpPr>
+        <a:xfrm>
+          <a:off x="0" y="0"/>
+          <a:ext cx="0" cy="0"/>
+          <a:chOff x="0" y="0"/>
+          <a:chExt cx="0" cy="0"/>
+        </a:xfrm>
+      </p:grpSpPr>
+      <p:sp>
+        <p:nvSpPr>
+          <p:cNvPr id="2" name="TextBox 1"/>
+          <p:cNvSpPr txBox="1"/>
+          <p:nvPr/>
+        </p:nvSpPr>
+        <p:spPr>
+          <a:xfrm>
+            <a:off x="304800" y="381000"/>
+            <a:ext cx="8534400" cy="461665"/>
+          </a:xfrm>
+          <a:prstGeom prst="rect">
+            <a:avLst/>
+          </a:prstGeom>
+          <a:solidFill>
+            <a:srgbClr val="DF570B"/>
+          </a:solidFill>
+        </p:spPr>
+        <p:txBody>
+          <a:bodyPr wrap="square" rtlCol="0">
+            <a:spAutoFit/>
+          </a:bodyPr>
+          <a:lstStyle/>
+          <a:p>
+            <a:r>
+              <a:rPr lang="en-US" sz="2400" b="1" dirty="0" smtClean="0">
+                <a:solidFill>
+                  <a:schemeClr val="bg1"/>
+                </a:solidFill>
+              </a:rPr>
+              <a:t>Make Basic Forms with React</a:t>
+            </a:r>
+            <a:endParaRPr lang="en-US" sz="2400" b="1" dirty="0">
+              <a:solidFill>
+                <a:schemeClr val="bg1"/>
+              </a:solidFill>
+            </a:endParaRPr>
+          </a:p>
+        </p:txBody>
+      </p:sp>
+      <p:sp>
+        <p:nvSpPr>
+          <p:cNvPr id="5" name="TextBox 4"/>
+          <p:cNvSpPr txBox="1"/>
+          <p:nvPr/>
+        </p:nvSpPr>
+        <p:spPr>
+          <a:xfrm>
+            <a:off x="304800" y="990600"/>
+            <a:ext cx="5187126" cy="3970318"/>
+          </a:xfrm>
+          <a:prstGeom prst="rect">
+            <a:avLst/>
+          </a:prstGeom>
+          <a:noFill/>
+        </p:spPr>
+        <p:txBody>
+          <a:bodyPr wrap="none" rtlCol="0">
+            <a:spAutoFit/>
+          </a:bodyPr>
+          <a:lstStyle/>
+          <a:p>
+            <a:r>
+              <a:rPr lang="en-US" dirty="0" smtClean="0"/>
+              <a:t>Lets say we have a Form with label name and input type text</a:t>
+            </a:r>
+          </a:p>
+          <a:p>
+            <a:endParaRPr lang="en-US" dirty="0"/>
+          </a:p>
+          <a:p>
+            <a:endParaRPr lang="en-US" dirty="0" smtClean="0"/>
+          </a:p>
+          <a:p>
+            <a:endParaRPr lang="en-US" dirty="0"/>
+          </a:p>
+          <a:p>
+            <a:endParaRPr lang="en-US" dirty="0" smtClean="0"/>
+          </a:p>
+          <a:p>
+            <a:endParaRPr lang="en-US" dirty="0"/>
+          </a:p>
+          <a:p>
+            <a:endParaRPr lang="en-US" dirty="0" smtClean="0"/>
+          </a:p>
+          <a:p>
+            <a:endParaRPr lang="en-US" dirty="0"/>
+          </a:p>
+          <a:p>
+            <a:endParaRPr lang="en-US" dirty="0" smtClean="0"/>
+          </a:p>
+          <a:p>
+            <a:endParaRPr lang="en-US" dirty="0"/>
+          </a:p>
+          <a:p>
+            <a:endParaRPr lang="en-US" dirty="0" smtClean="0"/>
+          </a:p>
+          <a:p>
+            <a:endParaRPr lang="en-US" dirty="0"/>
+          </a:p>
+          <a:p>
+            <a:r>
+              <a:rPr lang="en-US" dirty="0" smtClean="0"/>
+              <a:t>To Prevent the form submit on Submit click</a:t>
+            </a:r>
+          </a:p>
+          <a:p>
+            <a:endParaRPr lang="en-US" dirty="0" smtClean="0"/>
+          </a:p>
+        </p:txBody>
+      </p:sp>
+      <p:pic>
+        <p:nvPicPr>
+          <p:cNvPr id="2050" name="Picture 2"/>
+          <p:cNvPicPr>
+            <a:picLocks noChangeAspect="1" noChangeArrowheads="1"/>
+          </p:cNvPicPr>
+          <p:nvPr/>
+        </p:nvPicPr>
+        <p:blipFill>
+          <a:blip r:embed="rId2">
+            <a:extLst>
+              <a:ext uri="{28A0092B-C50C-407E-A947-70E740481C1C}">
+                <a14:useLocalDpi xmlns:a14="http://schemas.microsoft.com/office/drawing/2010/main" val="0"/>
+              </a:ext>
+            </a:extLst>
+          </a:blip>
+          <a:srcRect/>
+          <a:stretch>
+            <a:fillRect/>
+          </a:stretch>
+        </p:blipFill>
+        <p:spPr bwMode="auto">
+          <a:xfrm>
+            <a:off x="396051" y="1447800"/>
+            <a:ext cx="5095875" cy="2657475"/>
+          </a:xfrm>
+          <a:prstGeom prst="rect">
+            <a:avLst/>
+          </a:prstGeom>
+          <a:noFill/>
+          <a:ln>
+            <a:noFill/>
+          </a:ln>
+          <a:extLst>
+            <a:ext uri="{909E8E84-426E-40DD-AFC4-6F175D3DCCD1}">
+              <a14:hiddenFill xmlns:a14="http://schemas.microsoft.com/office/drawing/2010/main">
+                <a:solidFill>
+                  <a:schemeClr val="accent1"/>
+                </a:solidFill>
+              </a14:hiddenFill>
+            </a:ext>
+            <a:ext uri="{91240B29-F687-4F45-9708-019B960494DF}">
+              <a14:hiddenLine xmlns:a14="http://schemas.microsoft.com/office/drawing/2010/main" w="9525">
+                <a:solidFill>
+                  <a:schemeClr val="tx1"/>
+                </a:solidFill>
+                <a:miter lim="800000"/>
+                <a:headEnd/>
+                <a:tailEnd/>
+              </a14:hiddenLine>
+            </a:ext>
+          </a:extLst>
+        </p:spPr>
+      </p:pic>
+      <p:pic>
+        <p:nvPicPr>
+          <p:cNvPr id="2053" name="Picture 5"/>
+          <p:cNvPicPr>
+            <a:picLocks noChangeAspect="1" noChangeArrowheads="1"/>
+          </p:cNvPicPr>
+          <p:nvPr/>
+        </p:nvPicPr>
+        <p:blipFill>
+          <a:blip r:embed="rId3">
+            <a:extLst>
+              <a:ext uri="{28A0092B-C50C-407E-A947-70E740481C1C}">
+                <a14:useLocalDpi xmlns:a14="http://schemas.microsoft.com/office/drawing/2010/main" val="0"/>
+              </a:ext>
+            </a:extLst>
+          </a:blip>
+          <a:srcRect/>
+          <a:stretch>
+            <a:fillRect/>
+          </a:stretch>
+        </p:blipFill>
+        <p:spPr bwMode="auto">
+          <a:xfrm>
+            <a:off x="396051" y="4724400"/>
+            <a:ext cx="4219575" cy="1724025"/>
+          </a:xfrm>
+          <a:prstGeom prst="rect">
+            <a:avLst/>
+          </a:prstGeom>
+          <a:noFill/>
+          <a:ln>
+            <a:noFill/>
+          </a:ln>
+          <a:extLst>
+            <a:ext uri="{909E8E84-426E-40DD-AFC4-6F175D3DCCD1}">
+              <a14:hiddenFill xmlns:a14="http://schemas.microsoft.com/office/drawing/2010/main">
+                <a:solidFill>
+                  <a:schemeClr val="accent1"/>
+                </a:solidFill>
+              </a14:hiddenFill>
+            </a:ext>
+            <a:ext uri="{91240B29-F687-4F45-9708-019B960494DF}">
+              <a14:hiddenLine xmlns:a14="http://schemas.microsoft.com/office/drawing/2010/main" w="9525">
+                <a:solidFill>
+                  <a:schemeClr val="tx1"/>
+                </a:solidFill>
+                <a:miter lim="800000"/>
+                <a:headEnd/>
+                <a:tailEnd/>
+              </a14:hiddenLine>
+            </a:ext>
+          </a:extLst>
+        </p:spPr>
+      </p:pic>
+    </p:spTree>
+    <p:extLst>
+      <p:ext uri="{BB962C8B-B14F-4D97-AF65-F5344CB8AC3E}">
+        <p14:creationId xmlns:p14="http://schemas.microsoft.com/office/powerpoint/2010/main" val="3057167569"/>
+      </p:ext>
+    </p:extLst>
+  </p:cSld>
+  <p:clrMapOvr>
+    <a:masterClrMapping/>
+  </p:clrMapOvr>
+</p:sld>
+</file>
+
+<file path=ppt/slides/slide33.xml><?xml version="1.0" encoding="utf-8"?>
+<p:sld xmlns:a="http://schemas.openxmlformats.org/drawingml/2006/main" xmlns:r="http://schemas.openxmlformats.org/officeDocument/2006/relationships" xmlns:p="http://schemas.openxmlformats.org/presentationml/2006/main">
+  <p:cSld>
+    <p:spTree>
+      <p:nvGrpSpPr>
+        <p:cNvPr id="1" name=""/>
+        <p:cNvGrpSpPr/>
+        <p:nvPr/>
+      </p:nvGrpSpPr>
+      <p:grpSpPr>
+        <a:xfrm>
+          <a:off x="0" y="0"/>
+          <a:ext cx="0" cy="0"/>
+          <a:chOff x="0" y="0"/>
+          <a:chExt cx="0" cy="0"/>
+        </a:xfrm>
+      </p:grpSpPr>
+      <p:sp>
+        <p:nvSpPr>
+          <p:cNvPr id="2" name="TextBox 1"/>
+          <p:cNvSpPr txBox="1"/>
+          <p:nvPr/>
+        </p:nvSpPr>
+        <p:spPr>
+          <a:xfrm>
+            <a:off x="304800" y="381000"/>
+            <a:ext cx="8534400" cy="461665"/>
+          </a:xfrm>
+          <a:prstGeom prst="rect">
+            <a:avLst/>
+          </a:prstGeom>
+          <a:solidFill>
+            <a:srgbClr val="DF570B"/>
+          </a:solidFill>
+        </p:spPr>
+        <p:txBody>
+          <a:bodyPr wrap="square" rtlCol="0">
+            <a:spAutoFit/>
+          </a:bodyPr>
+          <a:lstStyle/>
+          <a:p>
+            <a:r>
+              <a:rPr lang="en-US" sz="2400" b="1" dirty="0" smtClean="0">
+                <a:solidFill>
+                  <a:schemeClr val="bg1"/>
+                </a:solidFill>
+              </a:rPr>
+              <a:t>Make Basic Forms with React</a:t>
+            </a:r>
+            <a:endParaRPr lang="en-US" sz="2400" b="1" dirty="0">
+              <a:solidFill>
+                <a:schemeClr val="bg1"/>
+              </a:solidFill>
+            </a:endParaRPr>
+          </a:p>
+        </p:txBody>
+      </p:sp>
+      <p:sp>
+        <p:nvSpPr>
+          <p:cNvPr id="5" name="TextBox 4"/>
+          <p:cNvSpPr txBox="1"/>
+          <p:nvPr/>
+        </p:nvSpPr>
+        <p:spPr>
+          <a:xfrm>
+            <a:off x="304800" y="990600"/>
+            <a:ext cx="3200043" cy="3970318"/>
+          </a:xfrm>
+          <a:prstGeom prst="rect">
+            <a:avLst/>
+          </a:prstGeom>
+          <a:noFill/>
+        </p:spPr>
+        <p:txBody>
+          <a:bodyPr wrap="none" rtlCol="0">
+            <a:spAutoFit/>
+          </a:bodyPr>
+          <a:lstStyle/>
+          <a:p>
+            <a:r>
+              <a:rPr lang="en-US" dirty="0" smtClean="0"/>
+              <a:t>We can access values by </a:t>
+            </a:r>
+            <a:r>
+              <a:rPr lang="en-US" dirty="0" err="1" smtClean="0"/>
+              <a:t>event.target</a:t>
+            </a:r>
+            <a:endParaRPr lang="en-US" dirty="0" smtClean="0"/>
+          </a:p>
+          <a:p>
+            <a:endParaRPr lang="en-US" dirty="0"/>
+          </a:p>
+          <a:p>
+            <a:endParaRPr lang="en-US" dirty="0" smtClean="0"/>
+          </a:p>
+          <a:p>
+            <a:endParaRPr lang="en-US" dirty="0"/>
+          </a:p>
+          <a:p>
+            <a:endParaRPr lang="en-US" dirty="0" smtClean="0"/>
+          </a:p>
+          <a:p>
+            <a:r>
+              <a:rPr lang="en-US" dirty="0" smtClean="0"/>
+              <a:t>By providing name</a:t>
+            </a:r>
+          </a:p>
+          <a:p>
+            <a:endParaRPr lang="en-US" dirty="0"/>
+          </a:p>
+          <a:p>
+            <a:endParaRPr lang="en-US" dirty="0" smtClean="0"/>
+          </a:p>
+          <a:p>
+            <a:endParaRPr lang="en-US" dirty="0"/>
+          </a:p>
+          <a:p>
+            <a:endParaRPr lang="en-US" dirty="0" smtClean="0"/>
+          </a:p>
+          <a:p>
+            <a:endParaRPr lang="en-US" dirty="0"/>
+          </a:p>
+          <a:p>
+            <a:endParaRPr lang="en-US" dirty="0" smtClean="0"/>
+          </a:p>
+          <a:p>
+            <a:endParaRPr lang="en-US" dirty="0"/>
+          </a:p>
+          <a:p>
+            <a:r>
+              <a:rPr lang="en-US" dirty="0" smtClean="0"/>
+              <a:t>By ref</a:t>
+            </a:r>
+          </a:p>
+        </p:txBody>
+      </p:sp>
+      <p:pic>
+        <p:nvPicPr>
+          <p:cNvPr id="3074" name="Picture 2"/>
+          <p:cNvPicPr>
+            <a:picLocks noChangeAspect="1" noChangeArrowheads="1"/>
+          </p:cNvPicPr>
+          <p:nvPr/>
+        </p:nvPicPr>
+        <p:blipFill>
+          <a:blip r:embed="rId2">
+            <a:extLst>
+              <a:ext uri="{28A0092B-C50C-407E-A947-70E740481C1C}">
+                <a14:useLocalDpi xmlns:a14="http://schemas.microsoft.com/office/drawing/2010/main" val="0"/>
+              </a:ext>
+            </a:extLst>
+          </a:blip>
+          <a:srcRect/>
+          <a:stretch>
+            <a:fillRect/>
+          </a:stretch>
+        </p:blipFill>
+        <p:spPr bwMode="auto">
+          <a:xfrm>
+            <a:off x="381000" y="1350696"/>
+            <a:ext cx="3114675" cy="895350"/>
+          </a:xfrm>
+          <a:prstGeom prst="rect">
+            <a:avLst/>
+          </a:prstGeom>
+          <a:noFill/>
+          <a:ln>
+            <a:noFill/>
+          </a:ln>
+          <a:extLst>
+            <a:ext uri="{909E8E84-426E-40DD-AFC4-6F175D3DCCD1}">
+              <a14:hiddenFill xmlns:a14="http://schemas.microsoft.com/office/drawing/2010/main">
+                <a:solidFill>
+                  <a:schemeClr val="accent1"/>
+                </a:solidFill>
+              </a14:hiddenFill>
+            </a:ext>
+            <a:ext uri="{91240B29-F687-4F45-9708-019B960494DF}">
+              <a14:hiddenLine xmlns:a14="http://schemas.microsoft.com/office/drawing/2010/main" w="9525">
+                <a:solidFill>
+                  <a:schemeClr val="tx1"/>
+                </a:solidFill>
+                <a:miter lim="800000"/>
+                <a:headEnd/>
+                <a:tailEnd/>
+              </a14:hiddenLine>
+            </a:ext>
+          </a:extLst>
+        </p:spPr>
+      </p:pic>
+      <p:pic>
+        <p:nvPicPr>
+          <p:cNvPr id="3075" name="Picture 3"/>
+          <p:cNvPicPr>
+            <a:picLocks noChangeAspect="1" noChangeArrowheads="1"/>
+          </p:cNvPicPr>
+          <p:nvPr/>
+        </p:nvPicPr>
+        <p:blipFill>
+          <a:blip r:embed="rId3">
+            <a:extLst>
+              <a:ext uri="{28A0092B-C50C-407E-A947-70E740481C1C}">
+                <a14:useLocalDpi xmlns:a14="http://schemas.microsoft.com/office/drawing/2010/main" val="0"/>
+              </a:ext>
+            </a:extLst>
+          </a:blip>
+          <a:srcRect/>
+          <a:stretch>
+            <a:fillRect/>
+          </a:stretch>
+        </p:blipFill>
+        <p:spPr bwMode="auto">
+          <a:xfrm>
+            <a:off x="381000" y="2714625"/>
+            <a:ext cx="3810000" cy="638175"/>
+          </a:xfrm>
+          <a:prstGeom prst="rect">
+            <a:avLst/>
+          </a:prstGeom>
+          <a:noFill/>
+          <a:ln>
+            <a:noFill/>
+          </a:ln>
+          <a:extLst>
+            <a:ext uri="{909E8E84-426E-40DD-AFC4-6F175D3DCCD1}">
+              <a14:hiddenFill xmlns:a14="http://schemas.microsoft.com/office/drawing/2010/main">
+                <a:solidFill>
+                  <a:schemeClr val="accent1"/>
+                </a:solidFill>
+              </a14:hiddenFill>
+            </a:ext>
+            <a:ext uri="{91240B29-F687-4F45-9708-019B960494DF}">
+              <a14:hiddenLine xmlns:a14="http://schemas.microsoft.com/office/drawing/2010/main" w="9525">
+                <a:solidFill>
+                  <a:schemeClr val="tx1"/>
+                </a:solidFill>
+                <a:miter lim="800000"/>
+                <a:headEnd/>
+                <a:tailEnd/>
+              </a14:hiddenLine>
+            </a:ext>
+          </a:extLst>
+        </p:spPr>
+      </p:pic>
+      <p:pic>
+        <p:nvPicPr>
+          <p:cNvPr id="3076" name="Picture 4"/>
+          <p:cNvPicPr>
+            <a:picLocks noChangeAspect="1" noChangeArrowheads="1"/>
+          </p:cNvPicPr>
+          <p:nvPr/>
+        </p:nvPicPr>
+        <p:blipFill>
+          <a:blip r:embed="rId4">
+            <a:extLst>
+              <a:ext uri="{28A0092B-C50C-407E-A947-70E740481C1C}">
+                <a14:useLocalDpi xmlns:a14="http://schemas.microsoft.com/office/drawing/2010/main" val="0"/>
+              </a:ext>
+            </a:extLst>
+          </a:blip>
+          <a:srcRect/>
+          <a:stretch>
+            <a:fillRect/>
+          </a:stretch>
+        </p:blipFill>
+        <p:spPr bwMode="auto">
+          <a:xfrm>
+            <a:off x="381000" y="3390900"/>
+            <a:ext cx="4410075" cy="1104900"/>
+          </a:xfrm>
+          <a:prstGeom prst="rect">
+            <a:avLst/>
+          </a:prstGeom>
+          <a:noFill/>
+          <a:ln>
+            <a:noFill/>
+          </a:ln>
+          <a:extLst>
+            <a:ext uri="{909E8E84-426E-40DD-AFC4-6F175D3DCCD1}">
+              <a14:hiddenFill xmlns:a14="http://schemas.microsoft.com/office/drawing/2010/main">
+                <a:solidFill>
+                  <a:schemeClr val="accent1"/>
+                </a:solidFill>
+              </a14:hiddenFill>
+            </a:ext>
+            <a:ext uri="{91240B29-F687-4F45-9708-019B960494DF}">
+              <a14:hiddenLine xmlns:a14="http://schemas.microsoft.com/office/drawing/2010/main" w="9525">
+                <a:solidFill>
+                  <a:schemeClr val="tx1"/>
+                </a:solidFill>
+                <a:miter lim="800000"/>
+                <a:headEnd/>
+                <a:tailEnd/>
+              </a14:hiddenLine>
+            </a:ext>
+          </a:extLst>
+        </p:spPr>
+      </p:pic>
+      <p:pic>
+        <p:nvPicPr>
+          <p:cNvPr id="3077" name="Picture 5"/>
+          <p:cNvPicPr>
+            <a:picLocks noChangeAspect="1" noChangeArrowheads="1"/>
+          </p:cNvPicPr>
+          <p:nvPr/>
+        </p:nvPicPr>
+        <p:blipFill>
+          <a:blip r:embed="rId5">
+            <a:extLst>
+              <a:ext uri="{28A0092B-C50C-407E-A947-70E740481C1C}">
+                <a14:useLocalDpi xmlns:a14="http://schemas.microsoft.com/office/drawing/2010/main" val="0"/>
+              </a:ext>
+            </a:extLst>
+          </a:blip>
+          <a:srcRect/>
+          <a:stretch>
+            <a:fillRect/>
+          </a:stretch>
+        </p:blipFill>
+        <p:spPr bwMode="auto">
+          <a:xfrm>
+            <a:off x="381000" y="4953000"/>
+            <a:ext cx="7038975" cy="638175"/>
+          </a:xfrm>
+          <a:prstGeom prst="rect">
+            <a:avLst/>
+          </a:prstGeom>
+          <a:noFill/>
+          <a:ln>
+            <a:noFill/>
+          </a:ln>
+          <a:extLst>
+            <a:ext uri="{909E8E84-426E-40DD-AFC4-6F175D3DCCD1}">
+              <a14:hiddenFill xmlns:a14="http://schemas.microsoft.com/office/drawing/2010/main">
+                <a:solidFill>
+                  <a:schemeClr val="accent1"/>
+                </a:solidFill>
+              </a14:hiddenFill>
+            </a:ext>
+            <a:ext uri="{91240B29-F687-4F45-9708-019B960494DF}">
+              <a14:hiddenLine xmlns:a14="http://schemas.microsoft.com/office/drawing/2010/main" w="9525">
+                <a:solidFill>
+                  <a:schemeClr val="tx1"/>
+                </a:solidFill>
+                <a:miter lim="800000"/>
+                <a:headEnd/>
+                <a:tailEnd/>
+              </a14:hiddenLine>
+            </a:ext>
+          </a:extLst>
+        </p:spPr>
+      </p:pic>
+      <p:pic>
+        <p:nvPicPr>
+          <p:cNvPr id="3079" name="Picture 7"/>
+          <p:cNvPicPr>
+            <a:picLocks noChangeAspect="1" noChangeArrowheads="1"/>
+          </p:cNvPicPr>
+          <p:nvPr/>
+        </p:nvPicPr>
+        <p:blipFill>
+          <a:blip r:embed="rId6">
+            <a:extLst>
+              <a:ext uri="{28A0092B-C50C-407E-A947-70E740481C1C}">
+                <a14:useLocalDpi xmlns:a14="http://schemas.microsoft.com/office/drawing/2010/main" val="0"/>
+              </a:ext>
+            </a:extLst>
+          </a:blip>
+          <a:srcRect/>
+          <a:stretch>
+            <a:fillRect/>
+          </a:stretch>
+        </p:blipFill>
+        <p:spPr bwMode="auto">
+          <a:xfrm>
+            <a:off x="369455" y="5715000"/>
+            <a:ext cx="3609975" cy="866775"/>
+          </a:xfrm>
+          <a:prstGeom prst="rect">
+            <a:avLst/>
+          </a:prstGeom>
+          <a:noFill/>
+          <a:ln>
+            <a:noFill/>
+          </a:ln>
+          <a:extLst>
+            <a:ext uri="{909E8E84-426E-40DD-AFC4-6F175D3DCCD1}">
+              <a14:hiddenFill xmlns:a14="http://schemas.microsoft.com/office/drawing/2010/main">
+                <a:solidFill>
+                  <a:schemeClr val="accent1"/>
+                </a:solidFill>
+              </a14:hiddenFill>
+            </a:ext>
+            <a:ext uri="{91240B29-F687-4F45-9708-019B960494DF}">
+              <a14:hiddenLine xmlns:a14="http://schemas.microsoft.com/office/drawing/2010/main" w="9525">
+                <a:solidFill>
+                  <a:schemeClr val="tx1"/>
+                </a:solidFill>
+                <a:miter lim="800000"/>
+                <a:headEnd/>
+                <a:tailEnd/>
+              </a14:hiddenLine>
+            </a:ext>
+          </a:extLst>
+        </p:spPr>
+      </p:pic>
+    </p:spTree>
+    <p:extLst>
+      <p:ext uri="{BB962C8B-B14F-4D97-AF65-F5344CB8AC3E}">
+        <p14:creationId xmlns:p14="http://schemas.microsoft.com/office/powerpoint/2010/main" val="3297648678"/>
+      </p:ext>
+    </p:extLst>
+  </p:cSld>
+  <p:clrMapOvr>
+    <a:masterClrMapping/>
+  </p:clrMapOvr>
+</p:sld>
+</file>
+
+<file path=ppt/slides/slide34.xml><?xml version="1.0" encoding="utf-8"?>
+<p:sld xmlns:a="http://schemas.openxmlformats.org/drawingml/2006/main" xmlns:r="http://schemas.openxmlformats.org/officeDocument/2006/relationships" xmlns:p="http://schemas.openxmlformats.org/presentationml/2006/main">
+  <p:cSld>
+    <p:spTree>
+      <p:nvGrpSpPr>
+        <p:cNvPr id="1" name=""/>
+        <p:cNvGrpSpPr/>
+        <p:nvPr/>
+      </p:nvGrpSpPr>
+      <p:grpSpPr>
+        <a:xfrm>
+          <a:off x="0" y="0"/>
+          <a:ext cx="0" cy="0"/>
+          <a:chOff x="0" y="0"/>
+          <a:chExt cx="0" cy="0"/>
+        </a:xfrm>
+      </p:grpSpPr>
+      <p:sp>
+        <p:nvSpPr>
+          <p:cNvPr id="2" name="TextBox 1"/>
+          <p:cNvSpPr txBox="1"/>
+          <p:nvPr/>
+        </p:nvSpPr>
+        <p:spPr>
+          <a:xfrm>
+            <a:off x="304800" y="381000"/>
+            <a:ext cx="8534400" cy="461665"/>
+          </a:xfrm>
+          <a:prstGeom prst="rect">
+            <a:avLst/>
+          </a:prstGeom>
+          <a:solidFill>
+            <a:srgbClr val="DF570B"/>
+          </a:solidFill>
+        </p:spPr>
+        <p:txBody>
+          <a:bodyPr wrap="square" rtlCol="0">
+            <a:spAutoFit/>
+          </a:bodyPr>
+          <a:lstStyle/>
+          <a:p>
+            <a:r>
+              <a:rPr lang="en-US" sz="2400" b="1" dirty="0" smtClean="0">
+                <a:solidFill>
+                  <a:schemeClr val="bg1"/>
+                </a:solidFill>
+              </a:rPr>
+              <a:t>Use the key prop when rendering a List with React</a:t>
+            </a:r>
+            <a:endParaRPr lang="en-US" sz="2400" b="1" dirty="0">
+              <a:solidFill>
+                <a:schemeClr val="bg1"/>
+              </a:solidFill>
+            </a:endParaRPr>
+          </a:p>
+        </p:txBody>
+      </p:sp>
+      <p:sp>
+        <p:nvSpPr>
+          <p:cNvPr id="5" name="TextBox 4"/>
+          <p:cNvSpPr txBox="1"/>
+          <p:nvPr/>
+        </p:nvSpPr>
+        <p:spPr>
+          <a:xfrm>
+            <a:off x="304800" y="990600"/>
+            <a:ext cx="4666470" cy="5632311"/>
+          </a:xfrm>
+          <a:prstGeom prst="rect">
+            <a:avLst/>
+          </a:prstGeom>
+          <a:noFill/>
+        </p:spPr>
+        <p:txBody>
+          <a:bodyPr wrap="none" rtlCol="0">
+            <a:spAutoFit/>
+          </a:bodyPr>
+          <a:lstStyle/>
+          <a:p>
+            <a:r>
+              <a:rPr lang="en-US" dirty="0" smtClean="0"/>
+              <a:t>Let say we have all </a:t>
+            </a:r>
+            <a:r>
+              <a:rPr lang="en-US" dirty="0" smtClean="0"/>
+              <a:t>Items</a:t>
+            </a:r>
+          </a:p>
+          <a:p>
+            <a:endParaRPr lang="en-US" dirty="0"/>
+          </a:p>
+          <a:p>
+            <a:endParaRPr lang="en-US" dirty="0" smtClean="0"/>
+          </a:p>
+          <a:p>
+            <a:endParaRPr lang="en-US" dirty="0"/>
+          </a:p>
+          <a:p>
+            <a:endParaRPr lang="en-US" dirty="0" smtClean="0"/>
+          </a:p>
+          <a:p>
+            <a:endParaRPr lang="en-US" dirty="0"/>
+          </a:p>
+          <a:p>
+            <a:endParaRPr lang="en-US" dirty="0" smtClean="0"/>
+          </a:p>
+          <a:p>
+            <a:endParaRPr lang="en-US" dirty="0"/>
+          </a:p>
+          <a:p>
+            <a:endParaRPr lang="en-US" dirty="0" smtClean="0"/>
+          </a:p>
+          <a:p>
+            <a:endParaRPr lang="en-US" dirty="0"/>
+          </a:p>
+          <a:p>
+            <a:endParaRPr lang="en-US" dirty="0" smtClean="0"/>
+          </a:p>
+          <a:p>
+            <a:endParaRPr lang="en-US" dirty="0"/>
+          </a:p>
+          <a:p>
+            <a:endParaRPr lang="en-US" dirty="0" smtClean="0"/>
+          </a:p>
+          <a:p>
+            <a:endParaRPr lang="en-US" dirty="0"/>
+          </a:p>
+          <a:p>
+            <a:endParaRPr lang="en-US" dirty="0" smtClean="0"/>
+          </a:p>
+          <a:p>
+            <a:endParaRPr lang="en-US" dirty="0"/>
+          </a:p>
+          <a:p>
+            <a:endParaRPr lang="en-US" dirty="0" smtClean="0"/>
+          </a:p>
+          <a:p>
+            <a:endParaRPr lang="en-US" dirty="0"/>
+          </a:p>
+          <a:p>
+            <a:endParaRPr lang="en-US" dirty="0" smtClean="0"/>
+          </a:p>
+          <a:p>
+            <a:r>
+              <a:rPr lang="en-US" dirty="0" smtClean="0"/>
+              <a:t>It is showing the warning, because key is not available.</a:t>
+            </a:r>
+            <a:endParaRPr lang="en-US" dirty="0" smtClean="0"/>
+          </a:p>
+        </p:txBody>
+      </p:sp>
+      <p:pic>
+        <p:nvPicPr>
+          <p:cNvPr id="5122" name="Picture 2"/>
+          <p:cNvPicPr>
+            <a:picLocks noChangeAspect="1" noChangeArrowheads="1"/>
+          </p:cNvPicPr>
+          <p:nvPr/>
+        </p:nvPicPr>
+        <p:blipFill>
+          <a:blip r:embed="rId2">
+            <a:extLst>
+              <a:ext uri="{28A0092B-C50C-407E-A947-70E740481C1C}">
+                <a14:useLocalDpi xmlns:a14="http://schemas.microsoft.com/office/drawing/2010/main" val="0"/>
+              </a:ext>
+            </a:extLst>
+          </a:blip>
+          <a:srcRect/>
+          <a:stretch>
+            <a:fillRect/>
+          </a:stretch>
+        </p:blipFill>
+        <p:spPr bwMode="auto">
+          <a:xfrm>
+            <a:off x="381000" y="1355314"/>
+            <a:ext cx="4867275" cy="2343150"/>
+          </a:xfrm>
+          <a:prstGeom prst="rect">
+            <a:avLst/>
+          </a:prstGeom>
+          <a:noFill/>
+          <a:ln>
+            <a:noFill/>
+          </a:ln>
+          <a:extLst>
+            <a:ext uri="{909E8E84-426E-40DD-AFC4-6F175D3DCCD1}">
+              <a14:hiddenFill xmlns:a14="http://schemas.microsoft.com/office/drawing/2010/main">
+                <a:solidFill>
+                  <a:schemeClr val="accent1"/>
+                </a:solidFill>
+              </a14:hiddenFill>
+            </a:ext>
+            <a:ext uri="{91240B29-F687-4F45-9708-019B960494DF}">
+              <a14:hiddenLine xmlns:a14="http://schemas.microsoft.com/office/drawing/2010/main" w="9525">
+                <a:solidFill>
+                  <a:schemeClr val="tx1"/>
+                </a:solidFill>
+                <a:miter lim="800000"/>
+                <a:headEnd/>
+                <a:tailEnd/>
+              </a14:hiddenLine>
+            </a:ext>
+          </a:extLst>
+        </p:spPr>
+      </p:pic>
+      <p:pic>
+        <p:nvPicPr>
+          <p:cNvPr id="5123" name="Picture 3"/>
+          <p:cNvPicPr>
+            <a:picLocks noChangeAspect="1" noChangeArrowheads="1"/>
+          </p:cNvPicPr>
+          <p:nvPr/>
+        </p:nvPicPr>
+        <p:blipFill>
+          <a:blip r:embed="rId3">
+            <a:extLst>
+              <a:ext uri="{28A0092B-C50C-407E-A947-70E740481C1C}">
+                <a14:useLocalDpi xmlns:a14="http://schemas.microsoft.com/office/drawing/2010/main" val="0"/>
+              </a:ext>
+            </a:extLst>
+          </a:blip>
+          <a:srcRect/>
+          <a:stretch>
+            <a:fillRect/>
+          </a:stretch>
+        </p:blipFill>
+        <p:spPr bwMode="auto">
+          <a:xfrm>
+            <a:off x="387927" y="4038600"/>
+            <a:ext cx="4343400" cy="1971675"/>
+          </a:xfrm>
+          <a:prstGeom prst="rect">
+            <a:avLst/>
+          </a:prstGeom>
+          <a:noFill/>
+          <a:ln>
+            <a:noFill/>
+          </a:ln>
+          <a:extLst>
+            <a:ext uri="{909E8E84-426E-40DD-AFC4-6F175D3DCCD1}">
+              <a14:hiddenFill xmlns:a14="http://schemas.microsoft.com/office/drawing/2010/main">
+                <a:solidFill>
+                  <a:schemeClr val="accent1"/>
+                </a:solidFill>
+              </a14:hiddenFill>
+            </a:ext>
+            <a:ext uri="{91240B29-F687-4F45-9708-019B960494DF}">
+              <a14:hiddenLine xmlns:a14="http://schemas.microsoft.com/office/drawing/2010/main" w="9525">
+                <a:solidFill>
+                  <a:schemeClr val="tx1"/>
+                </a:solidFill>
+                <a:miter lim="800000"/>
+                <a:headEnd/>
+                <a:tailEnd/>
+              </a14:hiddenLine>
+            </a:ext>
+          </a:extLst>
+        </p:spPr>
+      </p:pic>
+      <p:pic>
+        <p:nvPicPr>
+          <p:cNvPr id="1026" name="Picture 2"/>
+          <p:cNvPicPr>
+            <a:picLocks noChangeAspect="1" noChangeArrowheads="1"/>
+          </p:cNvPicPr>
+          <p:nvPr/>
+        </p:nvPicPr>
+        <p:blipFill>
+          <a:blip r:embed="rId4">
+            <a:extLst>
+              <a:ext uri="{28A0092B-C50C-407E-A947-70E740481C1C}">
+                <a14:useLocalDpi xmlns:a14="http://schemas.microsoft.com/office/drawing/2010/main" val="0"/>
+              </a:ext>
+            </a:extLst>
+          </a:blip>
+          <a:srcRect/>
+          <a:stretch>
+            <a:fillRect/>
+          </a:stretch>
+        </p:blipFill>
+        <p:spPr bwMode="auto">
+          <a:xfrm>
+            <a:off x="311727" y="6534150"/>
+            <a:ext cx="6543675" cy="247650"/>
+          </a:xfrm>
+          <a:prstGeom prst="rect">
+            <a:avLst/>
+          </a:prstGeom>
+          <a:noFill/>
+          <a:ln>
+            <a:noFill/>
+          </a:ln>
+          <a:extLst>
+            <a:ext uri="{909E8E84-426E-40DD-AFC4-6F175D3DCCD1}">
+              <a14:hiddenFill xmlns:a14="http://schemas.microsoft.com/office/drawing/2010/main">
+                <a:solidFill>
+                  <a:schemeClr val="accent1"/>
+                </a:solidFill>
+              </a14:hiddenFill>
+            </a:ext>
+            <a:ext uri="{91240B29-F687-4F45-9708-019B960494DF}">
+              <a14:hiddenLine xmlns:a14="http://schemas.microsoft.com/office/drawing/2010/main" w="9525">
+                <a:solidFill>
+                  <a:schemeClr val="tx1"/>
+                </a:solidFill>
+                <a:miter lim="800000"/>
+                <a:headEnd/>
+                <a:tailEnd/>
+              </a14:hiddenLine>
+            </a:ext>
+          </a:extLst>
+        </p:spPr>
+      </p:pic>
+    </p:spTree>
+    <p:extLst>
+      <p:ext uri="{BB962C8B-B14F-4D97-AF65-F5344CB8AC3E}">
+        <p14:creationId xmlns:p14="http://schemas.microsoft.com/office/powerpoint/2010/main" val="1717180622"/>
+      </p:ext>
+    </p:extLst>
+  </p:cSld>
+  <p:clrMapOvr>
+    <a:masterClrMapping/>
+  </p:clrMapOvr>
+</p:sld>
+</file>
+
+<file path=ppt/slides/slide35.xml><?xml version="1.0" encoding="utf-8"?>
+<p:sld xmlns:a="http://schemas.openxmlformats.org/drawingml/2006/main" xmlns:r="http://schemas.openxmlformats.org/officeDocument/2006/relationships" xmlns:p="http://schemas.openxmlformats.org/presentationml/2006/main">
+  <p:cSld>
+    <p:spTree>
+      <p:nvGrpSpPr>
+        <p:cNvPr id="1" name=""/>
+        <p:cNvGrpSpPr/>
+        <p:nvPr/>
+      </p:nvGrpSpPr>
+      <p:grpSpPr>
+        <a:xfrm>
+          <a:off x="0" y="0"/>
+          <a:ext cx="0" cy="0"/>
+          <a:chOff x="0" y="0"/>
+          <a:chExt cx="0" cy="0"/>
+        </a:xfrm>
+      </p:grpSpPr>
+      <p:sp>
+        <p:nvSpPr>
+          <p:cNvPr id="2" name="TextBox 1"/>
+          <p:cNvSpPr txBox="1"/>
+          <p:nvPr/>
+        </p:nvSpPr>
+        <p:spPr>
+          <a:xfrm>
+            <a:off x="304800" y="381000"/>
+            <a:ext cx="8534400" cy="461665"/>
+          </a:xfrm>
+          <a:prstGeom prst="rect">
+            <a:avLst/>
+          </a:prstGeom>
+          <a:solidFill>
+            <a:srgbClr val="DF570B"/>
+          </a:solidFill>
+        </p:spPr>
+        <p:txBody>
+          <a:bodyPr wrap="square" rtlCol="0">
+            <a:spAutoFit/>
+          </a:bodyPr>
+          <a:lstStyle/>
+          <a:p>
+            <a:r>
+              <a:rPr lang="en-US" sz="2400" b="1" dirty="0" smtClean="0">
+                <a:solidFill>
+                  <a:schemeClr val="bg1"/>
+                </a:solidFill>
+              </a:rPr>
+              <a:t>Use the key prop when rendering a List with React</a:t>
+            </a:r>
+            <a:endParaRPr lang="en-US" sz="2400" b="1" dirty="0">
+              <a:solidFill>
+                <a:schemeClr val="bg1"/>
+              </a:solidFill>
+            </a:endParaRPr>
+          </a:p>
+        </p:txBody>
+      </p:sp>
+      <p:sp>
+        <p:nvSpPr>
+          <p:cNvPr id="5" name="TextBox 4"/>
+          <p:cNvSpPr txBox="1"/>
+          <p:nvPr/>
+        </p:nvSpPr>
+        <p:spPr>
+          <a:xfrm>
+            <a:off x="304800" y="990600"/>
+            <a:ext cx="2616422" cy="369332"/>
+          </a:xfrm>
+          <a:prstGeom prst="rect">
+            <a:avLst/>
+          </a:prstGeom>
+          <a:noFill/>
+        </p:spPr>
+        <p:txBody>
+          <a:bodyPr wrap="none" rtlCol="0">
+            <a:spAutoFit/>
+          </a:bodyPr>
+          <a:lstStyle/>
+          <a:p>
+            <a:r>
+              <a:rPr lang="en-US" dirty="0" smtClean="0"/>
+              <a:t>So will provide key to the div</a:t>
+            </a:r>
+          </a:p>
+        </p:txBody>
+      </p:sp>
+      <p:pic>
+        <p:nvPicPr>
+          <p:cNvPr id="2050" name="Picture 2"/>
+          <p:cNvPicPr>
+            <a:picLocks noChangeAspect="1" noChangeArrowheads="1"/>
+          </p:cNvPicPr>
+          <p:nvPr/>
+        </p:nvPicPr>
+        <p:blipFill>
+          <a:blip r:embed="rId2">
+            <a:extLst>
+              <a:ext uri="{28A0092B-C50C-407E-A947-70E740481C1C}">
+                <a14:useLocalDpi xmlns:a14="http://schemas.microsoft.com/office/drawing/2010/main" val="0"/>
+              </a:ext>
+            </a:extLst>
+          </a:blip>
+          <a:srcRect/>
+          <a:stretch>
+            <a:fillRect/>
+          </a:stretch>
+        </p:blipFill>
+        <p:spPr bwMode="auto">
+          <a:xfrm>
+            <a:off x="350982" y="1428750"/>
+            <a:ext cx="6115050" cy="2000250"/>
+          </a:xfrm>
+          <a:prstGeom prst="rect">
+            <a:avLst/>
+          </a:prstGeom>
+          <a:noFill/>
+          <a:ln>
+            <a:noFill/>
+          </a:ln>
+          <a:extLst>
+            <a:ext uri="{909E8E84-426E-40DD-AFC4-6F175D3DCCD1}">
+              <a14:hiddenFill xmlns:a14="http://schemas.microsoft.com/office/drawing/2010/main">
+                <a:solidFill>
+                  <a:schemeClr val="accent1"/>
+                </a:solidFill>
+              </a14:hiddenFill>
+            </a:ext>
+            <a:ext uri="{91240B29-F687-4F45-9708-019B960494DF}">
+              <a14:hiddenLine xmlns:a14="http://schemas.microsoft.com/office/drawing/2010/main" w="9525">
+                <a:solidFill>
+                  <a:schemeClr val="tx1"/>
+                </a:solidFill>
+                <a:miter lim="800000"/>
+                <a:headEnd/>
+                <a:tailEnd/>
+              </a14:hiddenLine>
+            </a:ext>
+          </a:extLst>
+        </p:spPr>
+      </p:pic>
+    </p:spTree>
+    <p:extLst>
+      <p:ext uri="{BB962C8B-B14F-4D97-AF65-F5344CB8AC3E}">
+        <p14:creationId xmlns:p14="http://schemas.microsoft.com/office/powerpoint/2010/main" val="4113019403"/>
+      </p:ext>
+    </p:extLst>
+  </p:cSld>
+  <p:clrMapOvr>
+    <a:masterClrMapping/>
+  </p:clrMapOvr>
+</p:sld>
+</file>
+
+<file path=ppt/slides/slide36.xml><?xml version="1.0" encoding="utf-8"?>
+<p:sld xmlns:a="http://schemas.openxmlformats.org/drawingml/2006/main" xmlns:r="http://schemas.openxmlformats.org/officeDocument/2006/relationships" xmlns:p="http://schemas.openxmlformats.org/presentationml/2006/main">
+  <p:cSld>
+    <p:spTree>
+      <p:nvGrpSpPr>
+        <p:cNvPr id="1" name=""/>
+        <p:cNvGrpSpPr/>
+        <p:nvPr/>
+      </p:nvGrpSpPr>
+      <p:grpSpPr>
+        <a:xfrm>
+          <a:off x="0" y="0"/>
+          <a:ext cx="0" cy="0"/>
+          <a:chOff x="0" y="0"/>
+          <a:chExt cx="0" cy="0"/>
+        </a:xfrm>
+      </p:grpSpPr>
+      <p:sp>
+        <p:nvSpPr>
+          <p:cNvPr id="2" name="TextBox 1"/>
+          <p:cNvSpPr txBox="1"/>
+          <p:nvPr/>
+        </p:nvSpPr>
+        <p:spPr>
+          <a:xfrm>
+            <a:off x="304800" y="381000"/>
+            <a:ext cx="8534400" cy="461665"/>
+          </a:xfrm>
+          <a:prstGeom prst="rect">
+            <a:avLst/>
+          </a:prstGeom>
+          <a:solidFill>
+            <a:srgbClr val="DF570B"/>
+          </a:solidFill>
+        </p:spPr>
+        <p:txBody>
+          <a:bodyPr wrap="square" rtlCol="0">
+            <a:spAutoFit/>
+          </a:bodyPr>
+          <a:lstStyle/>
+          <a:p>
+            <a:r>
+              <a:rPr lang="en-US" sz="2400" b="1" dirty="0" smtClean="0">
+                <a:solidFill>
+                  <a:schemeClr val="bg1"/>
+                </a:solidFill>
+              </a:rPr>
+              <a:t>Make HTTP Request by React</a:t>
+            </a:r>
+            <a:endParaRPr lang="en-US" sz="2400" b="1" dirty="0">
+              <a:solidFill>
+                <a:schemeClr val="bg1"/>
+              </a:solidFill>
+            </a:endParaRPr>
+          </a:p>
+        </p:txBody>
+      </p:sp>
+      <p:sp>
+        <p:nvSpPr>
+          <p:cNvPr id="5" name="TextBox 4"/>
+          <p:cNvSpPr txBox="1"/>
+          <p:nvPr/>
+        </p:nvSpPr>
+        <p:spPr>
+          <a:xfrm>
+            <a:off x="304800" y="990600"/>
+            <a:ext cx="3979359" cy="3970318"/>
+          </a:xfrm>
+          <a:prstGeom prst="rect">
+            <a:avLst/>
+          </a:prstGeom>
+          <a:noFill/>
+        </p:spPr>
+        <p:txBody>
+          <a:bodyPr wrap="none" rtlCol="0">
+            <a:spAutoFit/>
+          </a:bodyPr>
+          <a:lstStyle/>
+          <a:p>
+            <a:r>
+              <a:rPr lang="en-US" dirty="0" smtClean="0"/>
+              <a:t>Here I am having a </a:t>
+            </a:r>
+            <a:r>
+              <a:rPr lang="en-US" dirty="0" err="1" smtClean="0"/>
+              <a:t>UserCompnay</a:t>
+            </a:r>
+            <a:r>
+              <a:rPr lang="en-US" dirty="0" smtClean="0"/>
+              <a:t> component</a:t>
+            </a:r>
+          </a:p>
+          <a:p>
+            <a:endParaRPr lang="en-US" dirty="0"/>
+          </a:p>
+          <a:p>
+            <a:endParaRPr lang="en-US" dirty="0" smtClean="0"/>
+          </a:p>
+          <a:p>
+            <a:endParaRPr lang="en-US" dirty="0"/>
+          </a:p>
+          <a:p>
+            <a:endParaRPr lang="en-US" dirty="0" smtClean="0"/>
+          </a:p>
+          <a:p>
+            <a:endParaRPr lang="en-US" dirty="0"/>
+          </a:p>
+          <a:p>
+            <a:endParaRPr lang="en-US" dirty="0" smtClean="0"/>
+          </a:p>
+          <a:p>
+            <a:endParaRPr lang="en-US" dirty="0"/>
+          </a:p>
+          <a:p>
+            <a:endParaRPr lang="en-US" dirty="0" smtClean="0"/>
+          </a:p>
+          <a:p>
+            <a:endParaRPr lang="en-US" dirty="0"/>
+          </a:p>
+          <a:p>
+            <a:endParaRPr lang="en-US" dirty="0" smtClean="0"/>
+          </a:p>
+          <a:p>
+            <a:endParaRPr lang="en-US" dirty="0"/>
+          </a:p>
+          <a:p>
+            <a:endParaRPr lang="en-US" dirty="0" smtClean="0"/>
+          </a:p>
+          <a:p>
+            <a:r>
+              <a:rPr lang="en-US" dirty="0" smtClean="0"/>
+              <a:t>For HTTP Request we are using </a:t>
+            </a:r>
+            <a:r>
+              <a:rPr lang="en-US" dirty="0" err="1" smtClean="0"/>
+              <a:t>axios</a:t>
+            </a:r>
+            <a:r>
+              <a:rPr lang="en-US" dirty="0" smtClean="0"/>
+              <a:t> library</a:t>
+            </a:r>
+            <a:endParaRPr lang="en-US" dirty="0" smtClean="0"/>
+          </a:p>
+        </p:txBody>
+      </p:sp>
+      <p:pic>
+        <p:nvPicPr>
+          <p:cNvPr id="3074" name="Picture 2"/>
+          <p:cNvPicPr>
+            <a:picLocks noChangeAspect="1" noChangeArrowheads="1"/>
+          </p:cNvPicPr>
+          <p:nvPr/>
+        </p:nvPicPr>
+        <p:blipFill>
+          <a:blip r:embed="rId2">
+            <a:extLst>
+              <a:ext uri="{28A0092B-C50C-407E-A947-70E740481C1C}">
+                <a14:useLocalDpi xmlns:a14="http://schemas.microsoft.com/office/drawing/2010/main" val="0"/>
+              </a:ext>
+            </a:extLst>
+          </a:blip>
+          <a:srcRect/>
+          <a:stretch>
+            <a:fillRect/>
+          </a:stretch>
+        </p:blipFill>
+        <p:spPr bwMode="auto">
+          <a:xfrm>
+            <a:off x="381000" y="1359932"/>
+            <a:ext cx="5410200" cy="3095625"/>
+          </a:xfrm>
+          <a:prstGeom prst="rect">
+            <a:avLst/>
+          </a:prstGeom>
+          <a:noFill/>
+          <a:ln>
+            <a:noFill/>
+          </a:ln>
+          <a:extLst>
+            <a:ext uri="{909E8E84-426E-40DD-AFC4-6F175D3DCCD1}">
+              <a14:hiddenFill xmlns:a14="http://schemas.microsoft.com/office/drawing/2010/main">
+                <a:solidFill>
+                  <a:schemeClr val="accent1"/>
+                </a:solidFill>
+              </a14:hiddenFill>
+            </a:ext>
+            <a:ext uri="{91240B29-F687-4F45-9708-019B960494DF}">
+              <a14:hiddenLine xmlns:a14="http://schemas.microsoft.com/office/drawing/2010/main" w="9525">
+                <a:solidFill>
+                  <a:schemeClr val="tx1"/>
+                </a:solidFill>
+                <a:miter lim="800000"/>
+                <a:headEnd/>
+                <a:tailEnd/>
+              </a14:hiddenLine>
+            </a:ext>
+          </a:extLst>
+        </p:spPr>
+      </p:pic>
+      <p:pic>
+        <p:nvPicPr>
+          <p:cNvPr id="3075" name="Picture 3"/>
+          <p:cNvPicPr>
+            <a:picLocks noChangeAspect="1" noChangeArrowheads="1"/>
+          </p:cNvPicPr>
+          <p:nvPr/>
+        </p:nvPicPr>
+        <p:blipFill>
+          <a:blip r:embed="rId3">
+            <a:extLst>
+              <a:ext uri="{28A0092B-C50C-407E-A947-70E740481C1C}">
+                <a14:useLocalDpi xmlns:a14="http://schemas.microsoft.com/office/drawing/2010/main" val="0"/>
+              </a:ext>
+            </a:extLst>
+          </a:blip>
+          <a:srcRect/>
+          <a:stretch>
+            <a:fillRect/>
+          </a:stretch>
+        </p:blipFill>
+        <p:spPr bwMode="auto">
+          <a:xfrm>
+            <a:off x="381000" y="4960918"/>
+            <a:ext cx="7620000" cy="266700"/>
+          </a:xfrm>
+          <a:prstGeom prst="rect">
+            <a:avLst/>
+          </a:prstGeom>
+          <a:noFill/>
+          <a:ln>
+            <a:noFill/>
+          </a:ln>
+          <a:extLst>
+            <a:ext uri="{909E8E84-426E-40DD-AFC4-6F175D3DCCD1}">
+              <a14:hiddenFill xmlns:a14="http://schemas.microsoft.com/office/drawing/2010/main">
+                <a:solidFill>
+                  <a:schemeClr val="accent1"/>
+                </a:solidFill>
+              </a14:hiddenFill>
+            </a:ext>
+            <a:ext uri="{91240B29-F687-4F45-9708-019B960494DF}">
+              <a14:hiddenLine xmlns:a14="http://schemas.microsoft.com/office/drawing/2010/main" w="9525">
+                <a:solidFill>
+                  <a:schemeClr val="tx1"/>
+                </a:solidFill>
+                <a:miter lim="800000"/>
+                <a:headEnd/>
+                <a:tailEnd/>
+              </a14:hiddenLine>
+            </a:ext>
+          </a:extLst>
+        </p:spPr>
+      </p:pic>
+    </p:spTree>
+    <p:extLst>
+      <p:ext uri="{BB962C8B-B14F-4D97-AF65-F5344CB8AC3E}">
+        <p14:creationId xmlns:p14="http://schemas.microsoft.com/office/powerpoint/2010/main" val="226689259"/>
+      </p:ext>
+    </p:extLst>
+  </p:cSld>
+  <p:clrMapOvr>
+    <a:masterClrMapping/>
+  </p:clrMapOvr>
+</p:sld>
+</file>
+
+<file path=ppt/slides/slide37.xml><?xml version="1.0" encoding="utf-8"?>
+<p:sld xmlns:a="http://schemas.openxmlformats.org/drawingml/2006/main" xmlns:r="http://schemas.openxmlformats.org/officeDocument/2006/relationships" xmlns:p="http://schemas.openxmlformats.org/presentationml/2006/main">
+  <p:cSld>
+    <p:spTree>
+      <p:nvGrpSpPr>
+        <p:cNvPr id="1" name=""/>
+        <p:cNvGrpSpPr/>
+        <p:nvPr/>
+      </p:nvGrpSpPr>
+      <p:grpSpPr>
+        <a:xfrm>
+          <a:off x="0" y="0"/>
+          <a:ext cx="0" cy="0"/>
+          <a:chOff x="0" y="0"/>
+          <a:chExt cx="0" cy="0"/>
+        </a:xfrm>
+      </p:grpSpPr>
+      <p:sp>
+        <p:nvSpPr>
+          <p:cNvPr id="2" name="TextBox 1"/>
+          <p:cNvSpPr txBox="1"/>
+          <p:nvPr/>
+        </p:nvSpPr>
+        <p:spPr>
+          <a:xfrm>
+            <a:off x="304800" y="381000"/>
+            <a:ext cx="8534400" cy="461665"/>
+          </a:xfrm>
+          <a:prstGeom prst="rect">
+            <a:avLst/>
+          </a:prstGeom>
+          <a:solidFill>
+            <a:srgbClr val="DF570B"/>
+          </a:solidFill>
+        </p:spPr>
+        <p:txBody>
+          <a:bodyPr wrap="square" rtlCol="0">
+            <a:spAutoFit/>
+          </a:bodyPr>
+          <a:lstStyle/>
+          <a:p>
+            <a:r>
+              <a:rPr lang="en-US" sz="2400" b="1" dirty="0" smtClean="0">
+                <a:solidFill>
+                  <a:schemeClr val="bg1"/>
+                </a:solidFill>
+              </a:rPr>
+              <a:t>Make HTTP Request by React</a:t>
+            </a:r>
+            <a:endParaRPr lang="en-US" sz="2400" b="1" dirty="0">
+              <a:solidFill>
+                <a:schemeClr val="bg1"/>
+              </a:solidFill>
+            </a:endParaRPr>
+          </a:p>
+        </p:txBody>
+      </p:sp>
+      <p:sp>
+        <p:nvSpPr>
+          <p:cNvPr id="5" name="TextBox 4"/>
+          <p:cNvSpPr txBox="1"/>
+          <p:nvPr/>
+        </p:nvSpPr>
+        <p:spPr>
+          <a:xfrm>
+            <a:off x="304800" y="990600"/>
+            <a:ext cx="1814792" cy="3416320"/>
+          </a:xfrm>
+          <a:prstGeom prst="rect">
+            <a:avLst/>
+          </a:prstGeom>
+          <a:noFill/>
+        </p:spPr>
+        <p:txBody>
+          <a:bodyPr wrap="none" rtlCol="0">
+            <a:spAutoFit/>
+          </a:bodyPr>
+          <a:lstStyle/>
+          <a:p>
+            <a:r>
+              <a:rPr lang="en-US" dirty="0" smtClean="0"/>
+              <a:t>We are using </a:t>
+            </a:r>
+            <a:r>
+              <a:rPr lang="en-US" dirty="0" err="1" smtClean="0"/>
+              <a:t>Axios</a:t>
+            </a:r>
+            <a:r>
+              <a:rPr lang="en-US" dirty="0" smtClean="0"/>
+              <a:t> </a:t>
+            </a:r>
+          </a:p>
+          <a:p>
+            <a:endParaRPr lang="en-US" dirty="0"/>
+          </a:p>
+          <a:p>
+            <a:endParaRPr lang="en-US" dirty="0" smtClean="0"/>
+          </a:p>
+          <a:p>
+            <a:endParaRPr lang="en-US" dirty="0"/>
+          </a:p>
+          <a:p>
+            <a:endParaRPr lang="en-US" dirty="0" smtClean="0"/>
+          </a:p>
+          <a:p>
+            <a:endParaRPr lang="en-US" dirty="0"/>
+          </a:p>
+          <a:p>
+            <a:endParaRPr lang="en-US" dirty="0" smtClean="0"/>
+          </a:p>
+          <a:p>
+            <a:endParaRPr lang="en-US" dirty="0"/>
+          </a:p>
+          <a:p>
+            <a:endParaRPr lang="en-US" dirty="0" smtClean="0"/>
+          </a:p>
+          <a:p>
+            <a:endParaRPr lang="en-US" dirty="0"/>
+          </a:p>
+          <a:p>
+            <a:endParaRPr lang="en-US" dirty="0" smtClean="0"/>
+          </a:p>
+          <a:p>
+            <a:endParaRPr lang="en-US" dirty="0"/>
+          </a:p>
+        </p:txBody>
+      </p:sp>
+      <p:pic>
+        <p:nvPicPr>
+          <p:cNvPr id="4098" name="Picture 2"/>
+          <p:cNvPicPr>
+            <a:picLocks noChangeAspect="1" noChangeArrowheads="1"/>
+          </p:cNvPicPr>
+          <p:nvPr/>
+        </p:nvPicPr>
+        <p:blipFill>
+          <a:blip r:embed="rId2">
+            <a:extLst>
+              <a:ext uri="{28A0092B-C50C-407E-A947-70E740481C1C}">
+                <a14:useLocalDpi xmlns:a14="http://schemas.microsoft.com/office/drawing/2010/main" val="0"/>
+              </a:ext>
+            </a:extLst>
+          </a:blip>
+          <a:srcRect/>
+          <a:stretch>
+            <a:fillRect/>
+          </a:stretch>
+        </p:blipFill>
+        <p:spPr bwMode="auto">
+          <a:xfrm>
+            <a:off x="457200" y="1371600"/>
+            <a:ext cx="6248400" cy="3000375"/>
+          </a:xfrm>
+          <a:prstGeom prst="rect">
+            <a:avLst/>
+          </a:prstGeom>
+          <a:noFill/>
+          <a:ln>
+            <a:noFill/>
+          </a:ln>
+          <a:extLst>
+            <a:ext uri="{909E8E84-426E-40DD-AFC4-6F175D3DCCD1}">
+              <a14:hiddenFill xmlns:a14="http://schemas.microsoft.com/office/drawing/2010/main">
+                <a:solidFill>
+                  <a:schemeClr val="accent1"/>
+                </a:solidFill>
+              </a14:hiddenFill>
+            </a:ext>
+            <a:ext uri="{91240B29-F687-4F45-9708-019B960494DF}">
+              <a14:hiddenLine xmlns:a14="http://schemas.microsoft.com/office/drawing/2010/main" w="9525">
+                <a:solidFill>
+                  <a:schemeClr val="tx1"/>
+                </a:solidFill>
+                <a:miter lim="800000"/>
+                <a:headEnd/>
+                <a:tailEnd/>
+              </a14:hiddenLine>
+            </a:ext>
+          </a:extLst>
+        </p:spPr>
+      </p:pic>
+    </p:spTree>
+    <p:extLst>
+      <p:ext uri="{BB962C8B-B14F-4D97-AF65-F5344CB8AC3E}">
+        <p14:creationId xmlns:p14="http://schemas.microsoft.com/office/powerpoint/2010/main" val="2508233084"/>
+      </p:ext>
+    </p:extLst>
+  </p:cSld>
+  <p:clrMapOvr>
+    <a:masterClrMapping/>
+  </p:clrMapOvr>
+</p:sld>
+</file>
+
+<file path=ppt/slides/slide38.xml><?xml version="1.0" encoding="utf-8"?>
+<p:sld xmlns:a="http://schemas.openxmlformats.org/drawingml/2006/main" xmlns:r="http://schemas.openxmlformats.org/officeDocument/2006/relationships" xmlns:p="http://schemas.openxmlformats.org/presentationml/2006/main">
+  <p:cSld>
+    <p:spTree>
+      <p:nvGrpSpPr>
+        <p:cNvPr id="1" name=""/>
+        <p:cNvGrpSpPr/>
+        <p:nvPr/>
+      </p:nvGrpSpPr>
+      <p:grpSpPr>
+        <a:xfrm>
+          <a:off x="0" y="0"/>
+          <a:ext cx="0" cy="0"/>
+          <a:chOff x="0" y="0"/>
+          <a:chExt cx="0" cy="0"/>
+        </a:xfrm>
+      </p:grpSpPr>
+      <p:sp>
+        <p:nvSpPr>
+          <p:cNvPr id="2" name="TextBox 1"/>
+          <p:cNvSpPr txBox="1"/>
+          <p:nvPr/>
+        </p:nvSpPr>
+        <p:spPr>
+          <a:xfrm>
+            <a:off x="304800" y="381000"/>
+            <a:ext cx="8534400" cy="461665"/>
+          </a:xfrm>
+          <a:prstGeom prst="rect">
+            <a:avLst/>
+          </a:prstGeom>
+          <a:solidFill>
+            <a:srgbClr val="DF570B"/>
+          </a:solidFill>
+        </p:spPr>
+        <p:txBody>
+          <a:bodyPr wrap="square" rtlCol="0">
+            <a:spAutoFit/>
+          </a:bodyPr>
+          <a:lstStyle/>
+          <a:p>
+            <a:r>
+              <a:rPr lang="en-US" sz="2400" b="1" dirty="0" smtClean="0">
+                <a:solidFill>
+                  <a:schemeClr val="bg1"/>
+                </a:solidFill>
+              </a:rPr>
+              <a:t>Code Guideline for ES6</a:t>
+            </a:r>
+            <a:endParaRPr lang="en-US" sz="2400" b="1" dirty="0">
+              <a:solidFill>
+                <a:schemeClr val="bg1"/>
+              </a:solidFill>
+            </a:endParaRPr>
+          </a:p>
+        </p:txBody>
+      </p:sp>
+      <p:sp>
+        <p:nvSpPr>
+          <p:cNvPr id="5" name="TextBox 4"/>
+          <p:cNvSpPr txBox="1"/>
+          <p:nvPr/>
+        </p:nvSpPr>
+        <p:spPr>
+          <a:xfrm>
+            <a:off x="304800" y="982682"/>
+            <a:ext cx="5691366" cy="4247317"/>
+          </a:xfrm>
+          <a:prstGeom prst="rect">
+            <a:avLst/>
+          </a:prstGeom>
+          <a:noFill/>
+        </p:spPr>
+        <p:txBody>
+          <a:bodyPr wrap="none" rtlCol="0">
+            <a:spAutoFit/>
+          </a:bodyPr>
+          <a:lstStyle/>
+          <a:p>
+            <a:pPr marL="342900" indent="-342900">
+              <a:buAutoNum type="arabicPeriod"/>
+            </a:pPr>
+            <a:r>
+              <a:rPr lang="en-US" dirty="0" smtClean="0"/>
+              <a:t>Use =&gt; functions </a:t>
+            </a:r>
+          </a:p>
+          <a:p>
+            <a:pPr marL="342900" indent="-342900">
+              <a:buAutoNum type="arabicPeriod"/>
+            </a:pPr>
+            <a:endParaRPr lang="en-US" dirty="0"/>
+          </a:p>
+          <a:p>
+            <a:pPr marL="342900" indent="-342900">
+              <a:buAutoNum type="arabicPeriod"/>
+            </a:pPr>
+            <a:endParaRPr lang="en-US" dirty="0" smtClean="0"/>
+          </a:p>
+          <a:p>
+            <a:pPr marL="342900" indent="-342900">
+              <a:buAutoNum type="arabicPeriod"/>
+            </a:pPr>
+            <a:endParaRPr lang="en-US" dirty="0"/>
+          </a:p>
+          <a:p>
+            <a:pPr marL="342900" indent="-342900">
+              <a:buAutoNum type="arabicPeriod"/>
+            </a:pPr>
+            <a:r>
+              <a:rPr lang="en-US" dirty="0" smtClean="0"/>
+              <a:t>Directly use method from object like </a:t>
+            </a:r>
+            <a:r>
+              <a:rPr lang="en-US" dirty="0" err="1" smtClean="0"/>
+              <a:t>this.state</a:t>
+            </a:r>
+            <a:endParaRPr lang="en-US" dirty="0" smtClean="0"/>
+          </a:p>
+          <a:p>
+            <a:pPr marL="342900" indent="-342900">
+              <a:buAutoNum type="arabicPeriod"/>
+            </a:pPr>
+            <a:endParaRPr lang="en-US" dirty="0"/>
+          </a:p>
+          <a:p>
+            <a:pPr marL="342900" indent="-342900">
+              <a:buAutoNum type="arabicPeriod"/>
+            </a:pPr>
+            <a:endParaRPr lang="en-US" dirty="0" smtClean="0"/>
+          </a:p>
+          <a:p>
+            <a:pPr marL="342900" indent="-342900">
+              <a:buAutoNum type="arabicPeriod"/>
+            </a:pPr>
+            <a:r>
+              <a:rPr lang="en-US" dirty="0" smtClean="0"/>
+              <a:t>Use direct key in object if key and value have same annotation </a:t>
+            </a:r>
+            <a:endParaRPr lang="en-US" dirty="0" smtClean="0"/>
+          </a:p>
+          <a:p>
+            <a:pPr marL="342900" indent="-342900">
+              <a:buAutoNum type="arabicPeriod"/>
+            </a:pPr>
+            <a:endParaRPr lang="en-US" dirty="0"/>
+          </a:p>
+          <a:p>
+            <a:pPr marL="342900" indent="-342900">
+              <a:buAutoNum type="arabicPeriod"/>
+            </a:pPr>
+            <a:endParaRPr lang="en-US" dirty="0" smtClean="0"/>
+          </a:p>
+          <a:p>
+            <a:pPr marL="342900" indent="-342900">
+              <a:buAutoNum type="arabicPeriod"/>
+            </a:pPr>
+            <a:endParaRPr lang="en-US" dirty="0"/>
+          </a:p>
+          <a:p>
+            <a:pPr marL="342900" indent="-342900">
+              <a:buAutoNum type="arabicPeriod"/>
+            </a:pPr>
+            <a:endParaRPr lang="en-US" dirty="0" smtClean="0"/>
+          </a:p>
+          <a:p>
+            <a:pPr marL="342900" indent="-342900">
+              <a:buAutoNum type="arabicPeriod"/>
+            </a:pPr>
+            <a:endParaRPr lang="en-US" dirty="0"/>
+          </a:p>
+          <a:p>
+            <a:pPr marL="342900" indent="-342900">
+              <a:buAutoNum type="arabicPeriod"/>
+            </a:pPr>
+            <a:r>
+              <a:rPr lang="en-US" dirty="0" smtClean="0"/>
+              <a:t>Online tool</a:t>
+            </a:r>
+          </a:p>
+          <a:p>
+            <a:r>
+              <a:rPr lang="en-US"/>
+              <a:t>https://codesandbox.io/</a:t>
+            </a:r>
+            <a:endParaRPr lang="en-US" dirty="0" smtClean="0"/>
+          </a:p>
+        </p:txBody>
+      </p:sp>
+      <p:pic>
+        <p:nvPicPr>
+          <p:cNvPr id="4098" name="Picture 2"/>
+          <p:cNvPicPr>
+            <a:picLocks noChangeAspect="1" noChangeArrowheads="1"/>
+          </p:cNvPicPr>
+          <p:nvPr/>
+        </p:nvPicPr>
+        <p:blipFill>
+          <a:blip r:embed="rId2">
+            <a:extLst>
+              <a:ext uri="{28A0092B-C50C-407E-A947-70E740481C1C}">
+                <a14:useLocalDpi xmlns:a14="http://schemas.microsoft.com/office/drawing/2010/main" val="0"/>
+              </a:ext>
+            </a:extLst>
+          </a:blip>
+          <a:srcRect/>
+          <a:stretch>
+            <a:fillRect/>
+          </a:stretch>
+        </p:blipFill>
+        <p:spPr bwMode="auto">
+          <a:xfrm>
+            <a:off x="609600" y="1295400"/>
+            <a:ext cx="2333625" cy="685800"/>
+          </a:xfrm>
+          <a:prstGeom prst="rect">
+            <a:avLst/>
+          </a:prstGeom>
+          <a:noFill/>
+          <a:ln>
+            <a:noFill/>
+          </a:ln>
+          <a:extLst>
+            <a:ext uri="{909E8E84-426E-40DD-AFC4-6F175D3DCCD1}">
+              <a14:hiddenFill xmlns:a14="http://schemas.microsoft.com/office/drawing/2010/main">
+                <a:solidFill>
+                  <a:schemeClr val="accent1"/>
+                </a:solidFill>
+              </a14:hiddenFill>
+            </a:ext>
+            <a:ext uri="{91240B29-F687-4F45-9708-019B960494DF}">
+              <a14:hiddenLine xmlns:a14="http://schemas.microsoft.com/office/drawing/2010/main" w="9525">
+                <a:solidFill>
+                  <a:schemeClr val="tx1"/>
+                </a:solidFill>
+                <a:miter lim="800000"/>
+                <a:headEnd/>
+                <a:tailEnd/>
+              </a14:hiddenLine>
+            </a:ext>
+          </a:extLst>
+        </p:spPr>
+      </p:pic>
+      <p:pic>
+        <p:nvPicPr>
+          <p:cNvPr id="4099" name="Picture 3"/>
+          <p:cNvPicPr>
+            <a:picLocks noChangeAspect="1" noChangeArrowheads="1"/>
+          </p:cNvPicPr>
+          <p:nvPr/>
+        </p:nvPicPr>
+        <p:blipFill>
+          <a:blip r:embed="rId3">
+            <a:extLst>
+              <a:ext uri="{28A0092B-C50C-407E-A947-70E740481C1C}">
+                <a14:useLocalDpi xmlns:a14="http://schemas.microsoft.com/office/drawing/2010/main" val="0"/>
+              </a:ext>
+            </a:extLst>
+          </a:blip>
+          <a:srcRect/>
+          <a:stretch>
+            <a:fillRect/>
+          </a:stretch>
+        </p:blipFill>
+        <p:spPr bwMode="auto">
+          <a:xfrm>
+            <a:off x="609600" y="2438400"/>
+            <a:ext cx="3514725" cy="295275"/>
+          </a:xfrm>
+          <a:prstGeom prst="rect">
+            <a:avLst/>
+          </a:prstGeom>
+          <a:noFill/>
+          <a:ln>
+            <a:noFill/>
+          </a:ln>
+          <a:extLst>
+            <a:ext uri="{909E8E84-426E-40DD-AFC4-6F175D3DCCD1}">
+              <a14:hiddenFill xmlns:a14="http://schemas.microsoft.com/office/drawing/2010/main">
+                <a:solidFill>
+                  <a:schemeClr val="accent1"/>
+                </a:solidFill>
+              </a14:hiddenFill>
+            </a:ext>
+            <a:ext uri="{91240B29-F687-4F45-9708-019B960494DF}">
+              <a14:hiddenLine xmlns:a14="http://schemas.microsoft.com/office/drawing/2010/main" w="9525">
+                <a:solidFill>
+                  <a:schemeClr val="tx1"/>
+                </a:solidFill>
+                <a:miter lim="800000"/>
+                <a:headEnd/>
+                <a:tailEnd/>
+              </a14:hiddenLine>
+            </a:ext>
+          </a:extLst>
+        </p:spPr>
+      </p:pic>
+      <p:pic>
+        <p:nvPicPr>
+          <p:cNvPr id="4100" name="Picture 4"/>
+          <p:cNvPicPr>
+            <a:picLocks noChangeAspect="1" noChangeArrowheads="1"/>
+          </p:cNvPicPr>
+          <p:nvPr/>
+        </p:nvPicPr>
+        <p:blipFill>
+          <a:blip r:embed="rId4">
+            <a:extLst>
+              <a:ext uri="{28A0092B-C50C-407E-A947-70E740481C1C}">
+                <a14:useLocalDpi xmlns:a14="http://schemas.microsoft.com/office/drawing/2010/main" val="0"/>
+              </a:ext>
+            </a:extLst>
+          </a:blip>
+          <a:srcRect/>
+          <a:stretch>
+            <a:fillRect/>
+          </a:stretch>
+        </p:blipFill>
+        <p:spPr bwMode="auto">
+          <a:xfrm>
+            <a:off x="619125" y="3291006"/>
+            <a:ext cx="4648200" cy="1247775"/>
+          </a:xfrm>
+          <a:prstGeom prst="rect">
+            <a:avLst/>
+          </a:prstGeom>
+          <a:noFill/>
+          <a:ln>
+            <a:noFill/>
+          </a:ln>
+          <a:extLst>
+            <a:ext uri="{909E8E84-426E-40DD-AFC4-6F175D3DCCD1}">
+              <a14:hiddenFill xmlns:a14="http://schemas.microsoft.com/office/drawing/2010/main">
+                <a:solidFill>
+                  <a:schemeClr val="accent1"/>
+                </a:solidFill>
+              </a14:hiddenFill>
+            </a:ext>
+            <a:ext uri="{91240B29-F687-4F45-9708-019B960494DF}">
+              <a14:hiddenLine xmlns:a14="http://schemas.microsoft.com/office/drawing/2010/main" w="9525">
+                <a:solidFill>
+                  <a:schemeClr val="tx1"/>
+                </a:solidFill>
+                <a:miter lim="800000"/>
+                <a:headEnd/>
+                <a:tailEnd/>
+              </a14:hiddenLine>
+            </a:ext>
+          </a:extLst>
+        </p:spPr>
+      </p:pic>
+    </p:spTree>
+    <p:extLst>
+      <p:ext uri="{BB962C8B-B14F-4D97-AF65-F5344CB8AC3E}">
+        <p14:creationId xmlns:p14="http://schemas.microsoft.com/office/powerpoint/2010/main" val="4014117791"/>
       </p:ext>
     </p:extLst>
   </p:cSld>
